--- a/slide/Progetto Finale.pptx
+++ b/slide/Progetto Finale.pptx
@@ -306,7 +306,7 @@
           <a:p>
             <a:fld id="{F484D74C-840F-4BEA-B071-0E8103CCA1C4}" type="datetimeFigureOut">
               <a:rPr lang="it-IT" smtClean="0"/>
-              <a:t>05/07/2019</a:t>
+              <a:t>08/07/2019</a:t>
             </a:fld>
             <a:endParaRPr lang="it-IT"/>
           </a:p>
@@ -360,7 +360,7 @@
           <a:p>
             <a:fld id="{0E01DC1C-6D35-4B58-AC92-FF915D667E66}" type="slidenum">
               <a:rPr lang="it-IT" smtClean="0"/>
-              <a:t>‹N›</a:t>
+              <a:t>‹#›</a:t>
             </a:fld>
             <a:endParaRPr lang="it-IT"/>
           </a:p>
@@ -504,7 +504,7 @@
           <a:p>
             <a:fld id="{F484D74C-840F-4BEA-B071-0E8103CCA1C4}" type="datetimeFigureOut">
               <a:rPr lang="it-IT" smtClean="0"/>
-              <a:t>05/07/2019</a:t>
+              <a:t>08/07/2019</a:t>
             </a:fld>
             <a:endParaRPr lang="it-IT"/>
           </a:p>
@@ -558,7 +558,7 @@
           <a:p>
             <a:fld id="{0E01DC1C-6D35-4B58-AC92-FF915D667E66}" type="slidenum">
               <a:rPr lang="it-IT" smtClean="0"/>
-              <a:t>‹N›</a:t>
+              <a:t>‹#›</a:t>
             </a:fld>
             <a:endParaRPr lang="it-IT"/>
           </a:p>
@@ -712,7 +712,7 @@
           <a:p>
             <a:fld id="{F484D74C-840F-4BEA-B071-0E8103CCA1C4}" type="datetimeFigureOut">
               <a:rPr lang="it-IT" smtClean="0"/>
-              <a:t>05/07/2019</a:t>
+              <a:t>08/07/2019</a:t>
             </a:fld>
             <a:endParaRPr lang="it-IT"/>
           </a:p>
@@ -766,7 +766,7 @@
           <a:p>
             <a:fld id="{0E01DC1C-6D35-4B58-AC92-FF915D667E66}" type="slidenum">
               <a:rPr lang="it-IT" smtClean="0"/>
-              <a:t>‹N›</a:t>
+              <a:t>‹#›</a:t>
             </a:fld>
             <a:endParaRPr lang="it-IT"/>
           </a:p>
@@ -910,7 +910,7 @@
           <a:p>
             <a:fld id="{F484D74C-840F-4BEA-B071-0E8103CCA1C4}" type="datetimeFigureOut">
               <a:rPr lang="it-IT" smtClean="0"/>
-              <a:t>05/07/2019</a:t>
+              <a:t>08/07/2019</a:t>
             </a:fld>
             <a:endParaRPr lang="it-IT"/>
           </a:p>
@@ -964,7 +964,7 @@
           <a:p>
             <a:fld id="{0E01DC1C-6D35-4B58-AC92-FF915D667E66}" type="slidenum">
               <a:rPr lang="it-IT" smtClean="0"/>
-              <a:t>‹N›</a:t>
+              <a:t>‹#›</a:t>
             </a:fld>
             <a:endParaRPr lang="it-IT"/>
           </a:p>
@@ -1185,7 +1185,7 @@
           <a:p>
             <a:fld id="{F484D74C-840F-4BEA-B071-0E8103CCA1C4}" type="datetimeFigureOut">
               <a:rPr lang="it-IT" smtClean="0"/>
-              <a:t>05/07/2019</a:t>
+              <a:t>08/07/2019</a:t>
             </a:fld>
             <a:endParaRPr lang="it-IT"/>
           </a:p>
@@ -1239,7 +1239,7 @@
           <a:p>
             <a:fld id="{0E01DC1C-6D35-4B58-AC92-FF915D667E66}" type="slidenum">
               <a:rPr lang="it-IT" smtClean="0"/>
-              <a:t>‹N›</a:t>
+              <a:t>‹#›</a:t>
             </a:fld>
             <a:endParaRPr lang="it-IT"/>
           </a:p>
@@ -1450,7 +1450,7 @@
           <a:p>
             <a:fld id="{F484D74C-840F-4BEA-B071-0E8103CCA1C4}" type="datetimeFigureOut">
               <a:rPr lang="it-IT" smtClean="0"/>
-              <a:t>05/07/2019</a:t>
+              <a:t>08/07/2019</a:t>
             </a:fld>
             <a:endParaRPr lang="it-IT"/>
           </a:p>
@@ -1504,7 +1504,7 @@
           <a:p>
             <a:fld id="{0E01DC1C-6D35-4B58-AC92-FF915D667E66}" type="slidenum">
               <a:rPr lang="it-IT" smtClean="0"/>
-              <a:t>‹N›</a:t>
+              <a:t>‹#›</a:t>
             </a:fld>
             <a:endParaRPr lang="it-IT"/>
           </a:p>
@@ -1862,7 +1862,7 @@
           <a:p>
             <a:fld id="{F484D74C-840F-4BEA-B071-0E8103CCA1C4}" type="datetimeFigureOut">
               <a:rPr lang="it-IT" smtClean="0"/>
-              <a:t>05/07/2019</a:t>
+              <a:t>08/07/2019</a:t>
             </a:fld>
             <a:endParaRPr lang="it-IT"/>
           </a:p>
@@ -1916,7 +1916,7 @@
           <a:p>
             <a:fld id="{0E01DC1C-6D35-4B58-AC92-FF915D667E66}" type="slidenum">
               <a:rPr lang="it-IT" smtClean="0"/>
-              <a:t>‹N›</a:t>
+              <a:t>‹#›</a:t>
             </a:fld>
             <a:endParaRPr lang="it-IT"/>
           </a:p>
@@ -2003,7 +2003,7 @@
           <a:p>
             <a:fld id="{F484D74C-840F-4BEA-B071-0E8103CCA1C4}" type="datetimeFigureOut">
               <a:rPr lang="it-IT" smtClean="0"/>
-              <a:t>05/07/2019</a:t>
+              <a:t>08/07/2019</a:t>
             </a:fld>
             <a:endParaRPr lang="it-IT"/>
           </a:p>
@@ -2057,7 +2057,7 @@
           <a:p>
             <a:fld id="{0E01DC1C-6D35-4B58-AC92-FF915D667E66}" type="slidenum">
               <a:rPr lang="it-IT" smtClean="0"/>
-              <a:t>‹N›</a:t>
+              <a:t>‹#›</a:t>
             </a:fld>
             <a:endParaRPr lang="it-IT"/>
           </a:p>
@@ -2116,7 +2116,7 @@
           <a:p>
             <a:fld id="{F484D74C-840F-4BEA-B071-0E8103CCA1C4}" type="datetimeFigureOut">
               <a:rPr lang="it-IT" smtClean="0"/>
-              <a:t>05/07/2019</a:t>
+              <a:t>08/07/2019</a:t>
             </a:fld>
             <a:endParaRPr lang="it-IT"/>
           </a:p>
@@ -2170,7 +2170,7 @@
           <a:p>
             <a:fld id="{0E01DC1C-6D35-4B58-AC92-FF915D667E66}" type="slidenum">
               <a:rPr lang="it-IT" smtClean="0"/>
-              <a:t>‹N›</a:t>
+              <a:t>‹#›</a:t>
             </a:fld>
             <a:endParaRPr lang="it-IT"/>
           </a:p>
@@ -2427,7 +2427,7 @@
           <a:p>
             <a:fld id="{F484D74C-840F-4BEA-B071-0E8103CCA1C4}" type="datetimeFigureOut">
               <a:rPr lang="it-IT" smtClean="0"/>
-              <a:t>05/07/2019</a:t>
+              <a:t>08/07/2019</a:t>
             </a:fld>
             <a:endParaRPr lang="it-IT"/>
           </a:p>
@@ -2481,7 +2481,7 @@
           <a:p>
             <a:fld id="{0E01DC1C-6D35-4B58-AC92-FF915D667E66}" type="slidenum">
               <a:rPr lang="it-IT" smtClean="0"/>
-              <a:t>‹N›</a:t>
+              <a:t>‹#›</a:t>
             </a:fld>
             <a:endParaRPr lang="it-IT"/>
           </a:p>
@@ -2715,7 +2715,7 @@
           <a:p>
             <a:fld id="{F484D74C-840F-4BEA-B071-0E8103CCA1C4}" type="datetimeFigureOut">
               <a:rPr lang="it-IT" smtClean="0"/>
-              <a:t>05/07/2019</a:t>
+              <a:t>08/07/2019</a:t>
             </a:fld>
             <a:endParaRPr lang="it-IT"/>
           </a:p>
@@ -2769,7 +2769,7 @@
           <a:p>
             <a:fld id="{0E01DC1C-6D35-4B58-AC92-FF915D667E66}" type="slidenum">
               <a:rPr lang="it-IT" smtClean="0"/>
-              <a:t>‹N›</a:t>
+              <a:t>‹#›</a:t>
             </a:fld>
             <a:endParaRPr lang="it-IT"/>
           </a:p>
@@ -2956,7 +2956,7 @@
           <a:p>
             <a:fld id="{F484D74C-840F-4BEA-B071-0E8103CCA1C4}" type="datetimeFigureOut">
               <a:rPr lang="it-IT" smtClean="0"/>
-              <a:t>05/07/2019</a:t>
+              <a:t>08/07/2019</a:t>
             </a:fld>
             <a:endParaRPr lang="it-IT"/>
           </a:p>
@@ -3046,7 +3046,7 @@
           <a:p>
             <a:fld id="{0E01DC1C-6D35-4B58-AC92-FF915D667E66}" type="slidenum">
               <a:rPr lang="it-IT" smtClean="0"/>
-              <a:t>‹N›</a:t>
+              <a:t>‹#›</a:t>
             </a:fld>
             <a:endParaRPr lang="it-IT"/>
           </a:p>
@@ -4388,7 +4388,7 @@
         </p:nvSpPr>
         <p:spPr/>
         <p:txBody>
-          <a:bodyPr>
+          <a:bodyPr vert="horz" lIns="91440" tIns="45720" rIns="91440" bIns="45720" rtlCol="0" anchor="t">
             <a:normAutofit/>
           </a:bodyPr>
           <a:lstStyle/>
@@ -4397,8 +4397,12 @@
               <a:buNone/>
             </a:pPr>
             <a:r>
-              <a:rPr lang="it-IT" dirty="0"/>
-              <a:t>Gli codifica degli indirizzi dei gruppi non differisce dagli indirizzi dei nodi. </a:t>
+              <a:rPr lang="it-IT"/>
+              <a:t>La codifica degli indirizzi dei gruppi non differisce dagli indirizzi dei </a:t>
+            </a:r>
+            <a:r>
+              <a:rPr lang="it-IT" dirty="0"/>
+              <a:t>nodi. </a:t>
             </a:r>
           </a:p>
           <a:p>
